--- a/resources/Presentation-Slides/Chapter-1-Into-Programming/07.Summary.pptx
+++ b/resources/Presentation-Slides/Chapter-1-Into-Programming/07.Summary.pptx
@@ -2724,7 +2724,7 @@
         </p:blipFill>
         <p:spPr bwMode="auto">
           <a:xfrm>
-            <a:off x="3770312" y="1371600"/>
+            <a:off x="3770312" y="1295400"/>
             <a:ext cx="4648200" cy="3448339"/>
           </a:xfrm>
           <a:prstGeom prst="rect">
@@ -2740,6 +2740,142 @@
               </a14:hiddenFill>
             </a:ext>
           </a:extLst>
+        </p:spPr>
+      </p:pic>
+      <p:grpSp>
+        <p:nvGrpSpPr>
+          <p:cNvPr id="6" name="Group 5">
+            <a:extLst>
+              <a:ext uri="{FF2B5EF4-FFF2-40B4-BE49-F238E27FC236}">
+                <a16:creationId xmlns:a16="http://schemas.microsoft.com/office/drawing/2014/main" id="{AEFCA04A-5AD7-4B10-BEDE-3C6A18510005}"/>
+              </a:ext>
+            </a:extLst>
+          </p:cNvPr>
+          <p:cNvGrpSpPr/>
+          <p:nvPr/>
+        </p:nvGrpSpPr>
+        <p:grpSpPr>
+          <a:xfrm>
+            <a:off x="836612" y="3124200"/>
+            <a:ext cx="2667000" cy="1676401"/>
+            <a:chOff x="1065212" y="1943801"/>
+            <a:chExt cx="2327432" cy="1449029"/>
+          </a:xfrm>
+        </p:grpSpPr>
+        <p:pic>
+          <p:nvPicPr>
+            <p:cNvPr id="7" name="Picture 6">
+              <a:extLst>
+                <a:ext uri="{FF2B5EF4-FFF2-40B4-BE49-F238E27FC236}">
+                  <a16:creationId xmlns:a16="http://schemas.microsoft.com/office/drawing/2014/main" id="{EC2A7BA8-E162-4B01-849E-8BF6A12E5D3E}"/>
+                </a:ext>
+              </a:extLst>
+            </p:cNvPr>
+            <p:cNvPicPr>
+              <a:picLocks noChangeAspect="1"/>
+            </p:cNvPicPr>
+            <p:nvPr/>
+          </p:nvPicPr>
+          <p:blipFill>
+            <a:blip r:embed="rId4"/>
+            <a:stretch>
+              <a:fillRect/>
+            </a:stretch>
+          </p:blipFill>
+          <p:spPr>
+            <a:xfrm>
+              <a:off x="1065212" y="1943801"/>
+              <a:ext cx="1926886" cy="1228695"/>
+            </a:xfrm>
+            <a:prstGeom prst="rect">
+              <a:avLst/>
+            </a:prstGeom>
+          </p:spPr>
+        </p:pic>
+        <p:pic>
+          <p:nvPicPr>
+            <p:cNvPr id="8" name="Picture 2">
+              <a:extLst>
+                <a:ext uri="{FF2B5EF4-FFF2-40B4-BE49-F238E27FC236}">
+                  <a16:creationId xmlns:a16="http://schemas.microsoft.com/office/drawing/2014/main" id="{814DA8C5-2194-4BBD-9939-C69DC2F5D299}"/>
+                </a:ext>
+              </a:extLst>
+            </p:cNvPr>
+            <p:cNvPicPr>
+              <a:picLocks noChangeAspect="1" noChangeArrowheads="1"/>
+            </p:cNvPicPr>
+            <p:nvPr/>
+          </p:nvPicPr>
+          <p:blipFill>
+            <a:blip r:embed="rId5">
+              <a:extLst>
+                <a:ext uri="{28A0092B-C50C-407E-A947-70E740481C1C}">
+                  <a14:useLocalDpi xmlns:a14="http://schemas.microsoft.com/office/drawing/2010/main"/>
+                </a:ext>
+              </a:extLst>
+            </a:blip>
+            <a:srcRect/>
+            <a:stretch>
+              <a:fillRect/>
+            </a:stretch>
+          </p:blipFill>
+          <p:spPr bwMode="auto">
+            <a:xfrm rot="419636">
+              <a:off x="2457939" y="2458125"/>
+              <a:ext cx="934705" cy="934705"/>
+            </a:xfrm>
+            <a:prstGeom prst="rect">
+              <a:avLst/>
+            </a:prstGeom>
+            <a:noFill/>
+            <a:extLst>
+              <a:ext uri="{909E8E84-426E-40DD-AFC4-6F175D3DCCD1}">
+                <a14:hiddenFill xmlns:a14="http://schemas.microsoft.com/office/drawing/2010/main">
+                  <a:solidFill>
+                    <a:srgbClr val="FFFFFF"/>
+                  </a:solidFill>
+                </a14:hiddenFill>
+              </a:ext>
+            </a:extLst>
+          </p:spPr>
+        </p:pic>
+      </p:grpSp>
+      <p:pic>
+        <p:nvPicPr>
+          <p:cNvPr id="9" name="Picture 8">
+            <a:extLst>
+              <a:ext uri="{FF2B5EF4-FFF2-40B4-BE49-F238E27FC236}">
+                <a16:creationId xmlns:a16="http://schemas.microsoft.com/office/drawing/2014/main" id="{5F8592B7-5207-4E83-AD86-2D82273FF61D}"/>
+              </a:ext>
+            </a:extLst>
+          </p:cNvPr>
+          <p:cNvPicPr>
+            <a:picLocks noChangeAspect="1"/>
+          </p:cNvPicPr>
+          <p:nvPr/>
+        </p:nvPicPr>
+        <p:blipFill>
+          <a:blip r:embed="rId6">
+            <a:duotone>
+              <a:schemeClr val="accent1">
+                <a:shade val="45000"/>
+                <a:satMod val="135000"/>
+              </a:schemeClr>
+              <a:prstClr val="white"/>
+            </a:duotone>
+          </a:blip>
+          <a:stretch>
+            <a:fillRect/>
+          </a:stretch>
+        </p:blipFill>
+        <p:spPr>
+          <a:xfrm>
+            <a:off x="9443963" y="301551"/>
+            <a:ext cx="2060649" cy="2060649"/>
+          </a:xfrm>
+          <a:prstGeom prst="rect">
+            <a:avLst/>
+          </a:prstGeom>
         </p:spPr>
       </p:pic>
     </p:spTree>
@@ -3326,6 +3462,104 @@
           </a:p>
         </p:txBody>
       </p:sp>
+      <p:grpSp>
+        <p:nvGrpSpPr>
+          <p:cNvPr id="9" name="Group 8">
+            <a:extLst>
+              <a:ext uri="{FF2B5EF4-FFF2-40B4-BE49-F238E27FC236}">
+                <a16:creationId xmlns:a16="http://schemas.microsoft.com/office/drawing/2014/main" id="{0F502C71-4ECD-46AF-9F99-F6CAD4602001}"/>
+              </a:ext>
+            </a:extLst>
+          </p:cNvPr>
+          <p:cNvGrpSpPr/>
+          <p:nvPr/>
+        </p:nvGrpSpPr>
+        <p:grpSpPr>
+          <a:xfrm>
+            <a:off x="10361611" y="380999"/>
+            <a:ext cx="1633621" cy="1110779"/>
+            <a:chOff x="1065212" y="1943801"/>
+            <a:chExt cx="2327432" cy="1449029"/>
+          </a:xfrm>
+        </p:grpSpPr>
+        <p:pic>
+          <p:nvPicPr>
+            <p:cNvPr id="10" name="Picture 9">
+              <a:extLst>
+                <a:ext uri="{FF2B5EF4-FFF2-40B4-BE49-F238E27FC236}">
+                  <a16:creationId xmlns:a16="http://schemas.microsoft.com/office/drawing/2014/main" id="{5896A9C4-5120-41BA-99A8-71D7DC32D64D}"/>
+                </a:ext>
+              </a:extLst>
+            </p:cNvPr>
+            <p:cNvPicPr>
+              <a:picLocks noChangeAspect="1"/>
+            </p:cNvPicPr>
+            <p:nvPr/>
+          </p:nvPicPr>
+          <p:blipFill>
+            <a:blip r:embed="rId4"/>
+            <a:stretch>
+              <a:fillRect/>
+            </a:stretch>
+          </p:blipFill>
+          <p:spPr>
+            <a:xfrm>
+              <a:off x="1065212" y="1943801"/>
+              <a:ext cx="1926886" cy="1228695"/>
+            </a:xfrm>
+            <a:prstGeom prst="rect">
+              <a:avLst/>
+            </a:prstGeom>
+          </p:spPr>
+        </p:pic>
+        <p:pic>
+          <p:nvPicPr>
+            <p:cNvPr id="11" name="Picture 2">
+              <a:extLst>
+                <a:ext uri="{FF2B5EF4-FFF2-40B4-BE49-F238E27FC236}">
+                  <a16:creationId xmlns:a16="http://schemas.microsoft.com/office/drawing/2014/main" id="{6B50DCBE-7632-4920-874B-EB30AD6F44C4}"/>
+                </a:ext>
+              </a:extLst>
+            </p:cNvPr>
+            <p:cNvPicPr>
+              <a:picLocks noChangeAspect="1" noChangeArrowheads="1"/>
+            </p:cNvPicPr>
+            <p:nvPr/>
+          </p:nvPicPr>
+          <p:blipFill>
+            <a:blip r:embed="rId5">
+              <a:extLst>
+                <a:ext uri="{28A0092B-C50C-407E-A947-70E740481C1C}">
+                  <a14:useLocalDpi xmlns:a14="http://schemas.microsoft.com/office/drawing/2010/main"/>
+                </a:ext>
+              </a:extLst>
+            </a:blip>
+            <a:srcRect/>
+            <a:stretch>
+              <a:fillRect/>
+            </a:stretch>
+          </p:blipFill>
+          <p:spPr bwMode="auto">
+            <a:xfrm rot="419636">
+              <a:off x="2457939" y="2458125"/>
+              <a:ext cx="934705" cy="934705"/>
+            </a:xfrm>
+            <a:prstGeom prst="rect">
+              <a:avLst/>
+            </a:prstGeom>
+            <a:noFill/>
+            <a:extLst>
+              <a:ext uri="{909E8E84-426E-40DD-AFC4-6F175D3DCCD1}">
+                <a14:hiddenFill xmlns:a14="http://schemas.microsoft.com/office/drawing/2010/main">
+                  <a:solidFill>
+                    <a:srgbClr val="FFFFFF"/>
+                  </a:solidFill>
+                </a14:hiddenFill>
+              </a:ext>
+            </a:extLst>
+          </p:spPr>
+        </p:pic>
+      </p:grpSp>
     </p:spTree>
     <p:extLst>
       <p:ext uri="{BB962C8B-B14F-4D97-AF65-F5344CB8AC3E}">
